--- a/projets/projet 6/ModeĖle_preėsentation-Bottleneck.pptx
+++ b/projets/projet 6/ModeĖle_preėsentation-Bottleneck.pptx
@@ -11592,7 +11592,7 @@
               <a:rPr lang="fr-FR" dirty="0">
                 <a:latin typeface="Montserrat" panose="00000500000000000000" pitchFamily="2" charset="0"/>
               </a:rPr>
-              <a:t> car il faudrait pour les prix négatifs soit fixer, soit jeter; calculer le 80/20.</a:t>
+              <a:t> ; il faudrait pour les prix négatifs soit fixer, soit jeter; calculer le 80/20.</a:t>
             </a:r>
           </a:p>
           <a:p>
@@ -11618,7 +11618,7 @@
               <a:rPr lang="fr-FR" dirty="0">
                 <a:latin typeface="Montserrat" panose="00000500000000000000" pitchFamily="2" charset="0"/>
               </a:rPr>
-              <a:t>50.91, analyser sur le pourquoi ce n’est pas le 20/80 classique et comment le régler; s’entrainer plus sur la lecture de la corrélation.</a:t>
+              <a:t>50.91, analyser sur le pourquoi ce n’est pas le 80/20 classique et comment le régler; s’entrainer plus sur la lecture de la corrélation.</a:t>
             </a:r>
           </a:p>
         </p:txBody>
@@ -11673,12 +11673,12 @@
         </p:spPr>
         <p:txBody>
           <a:bodyPr spcFirstLastPara="1" wrap="square" lIns="91425" tIns="91425" rIns="91425" bIns="91425" anchor="t" anchorCtr="0">
-            <a:normAutofit fontScale="77500" lnSpcReduction="20000"/>
+            <a:normAutofit fontScale="70000" lnSpcReduction="20000"/>
           </a:bodyPr>
           <a:lstStyle/>
           <a:p>
             <a:r>
-              <a:rPr lang="fr-FR" sz="1600" b="1" dirty="0">
+              <a:rPr lang="fr-FR" b="1" dirty="0">
                 <a:solidFill>
                   <a:schemeClr val="tx1"/>
                 </a:solidFill>
@@ -11687,7 +11687,7 @@
               <a:t>3 </a:t>
             </a:r>
             <a:r>
-              <a:rPr lang="fr-FR" sz="1600" b="1" dirty="0" err="1">
+              <a:rPr lang="fr-FR" b="1" dirty="0" err="1">
                 <a:solidFill>
                   <a:schemeClr val="tx1"/>
                 </a:solidFill>
@@ -11696,7 +11696,7 @@
               <a:t>datasets</a:t>
             </a:r>
             <a:r>
-              <a:rPr lang="fr-FR" sz="1600" b="1" dirty="0">
+              <a:rPr lang="fr-FR" b="1" dirty="0">
                 <a:solidFill>
                   <a:schemeClr val="tx1"/>
                 </a:solidFill>
@@ -11705,7 +11705,7 @@
               <a:t> </a:t>
             </a:r>
             <a:r>
-              <a:rPr lang="fr-FR" sz="1600" dirty="0">
+              <a:rPr lang="fr-FR" dirty="0">
                 <a:solidFill>
                   <a:schemeClr val="tx1"/>
                 </a:solidFill>
@@ -11715,7 +11715,7 @@
             </a:r>
           </a:p>
           <a:p>
-            <a:endParaRPr lang="fr-FR" sz="1600" dirty="0">
+            <a:endParaRPr lang="fr-FR" dirty="0">
               <a:solidFill>
                 <a:schemeClr val="tx1"/>
               </a:solidFill>
@@ -11724,7 +11724,7 @@
           </a:p>
           <a:p>
             <a:r>
-              <a:rPr lang="fr-FR" sz="1600" b="1" dirty="0">
+              <a:rPr lang="fr-FR" b="1" dirty="0">
                 <a:solidFill>
                   <a:schemeClr val="tx1"/>
                 </a:solidFill>
@@ -11733,7 +11733,7 @@
               <a:t>ERP: </a:t>
             </a:r>
             <a:r>
-              <a:rPr lang="fr-FR" sz="1600" dirty="0">
+              <a:rPr lang="fr-FR" dirty="0">
                 <a:solidFill>
                   <a:schemeClr val="tx1"/>
                 </a:solidFill>
@@ -11742,7 +11742,7 @@
               <a:t>inventaire magasin; </a:t>
             </a:r>
             <a:r>
-              <a:rPr lang="fr-FR" sz="1600" b="1" dirty="0">
+              <a:rPr lang="fr-FR" b="1" dirty="0">
                 <a:solidFill>
                   <a:schemeClr val="tx1"/>
                 </a:solidFill>
@@ -11751,7 +11751,7 @@
               <a:t>Web</a:t>
             </a:r>
             <a:r>
-              <a:rPr lang="fr-FR" sz="1600" dirty="0">
+              <a:rPr lang="fr-FR" dirty="0">
                 <a:solidFill>
                   <a:schemeClr val="tx1"/>
                 </a:solidFill>
@@ -11760,7 +11760,7 @@
               <a:t>: logs du site e-commerce; </a:t>
             </a:r>
             <a:r>
-              <a:rPr lang="fr-FR" sz="1600" b="1" dirty="0">
+              <a:rPr lang="fr-FR" b="1" dirty="0">
                 <a:solidFill>
                   <a:schemeClr val="tx1"/>
                 </a:solidFill>
@@ -11769,7 +11769,7 @@
               <a:t>liens</a:t>
             </a:r>
             <a:r>
-              <a:rPr lang="fr-FR" sz="1600" dirty="0">
+              <a:rPr lang="fr-FR" dirty="0">
                 <a:solidFill>
                   <a:schemeClr val="tx1"/>
                 </a:solidFill>
@@ -11779,7 +11779,7 @@
             </a:r>
           </a:p>
           <a:p>
-            <a:endParaRPr lang="fr-FR" sz="1600" dirty="0">
+            <a:endParaRPr lang="fr-FR" dirty="0">
               <a:solidFill>
                 <a:schemeClr val="tx1"/>
               </a:solidFill>
@@ -11788,7 +11788,7 @@
           </a:p>
           <a:p>
             <a:r>
-              <a:rPr lang="fr-FR" sz="1600" b="1" dirty="0">
+              <a:rPr lang="fr-FR" b="1" dirty="0">
                 <a:solidFill>
                   <a:schemeClr val="tx1"/>
                 </a:solidFill>
@@ -11797,7 +11797,7 @@
               <a:t>Traitements réalisés</a:t>
             </a:r>
             <a:r>
-              <a:rPr lang="fr-FR" sz="1600" dirty="0">
+              <a:rPr lang="fr-FR" dirty="0">
                 <a:solidFill>
                   <a:schemeClr val="tx1"/>
                 </a:solidFill>
@@ -11809,7 +11809,7 @@
           <a:p>
             <a:pPr lvl="1"/>
             <a:r>
-              <a:rPr lang="fr-FR" sz="1600" b="1" dirty="0">
+              <a:rPr lang="fr-FR" sz="1800" b="1" dirty="0">
                 <a:solidFill>
                   <a:schemeClr val="tx1"/>
                 </a:solidFill>
@@ -11818,7 +11818,7 @@
               <a:t>Nettoyage</a:t>
             </a:r>
             <a:r>
-              <a:rPr lang="fr-FR" sz="1600" dirty="0">
+              <a:rPr lang="fr-FR" sz="1800" dirty="0">
                 <a:solidFill>
                   <a:schemeClr val="tx1"/>
                 </a:solidFill>
@@ -11830,7 +11830,7 @@
           <a:p>
             <a:pPr lvl="2"/>
             <a:r>
-              <a:rPr lang="fr-FR" sz="1600" dirty="0">
+              <a:rPr lang="fr-FR" sz="1800" dirty="0">
                 <a:solidFill>
                   <a:schemeClr val="tx1"/>
                 </a:solidFill>
@@ -11842,16 +11842,16 @@
           <a:p>
             <a:pPr lvl="2"/>
             <a:r>
-              <a:rPr lang="fr-FR" sz="1600" dirty="0">
+              <a:rPr lang="fr-FR" sz="1800" dirty="0">
                 <a:solidFill>
                   <a:schemeClr val="tx1"/>
                 </a:solidFill>
                 <a:latin typeface="Montserrat" panose="00000500000000000000" pitchFamily="2" charset="0"/>
               </a:rPr>
-              <a:t>Dans Etape 3, merges (ERP + Liaison sur </a:t>
-            </a:r>
-            <a:r>
-              <a:rPr lang="fr-FR" sz="1600" dirty="0" err="1">
+              <a:t>On fait des merges (ERP + Liaison sur </a:t>
+            </a:r>
+            <a:r>
+              <a:rPr lang="fr-FR" sz="1800" dirty="0" err="1">
                 <a:solidFill>
                   <a:schemeClr val="tx1"/>
                 </a:solidFill>
@@ -11860,7 +11860,7 @@
               <a:t>product_id</a:t>
             </a:r>
             <a:r>
-              <a:rPr lang="fr-FR" sz="1600" dirty="0">
+              <a:rPr lang="fr-FR" sz="1800" dirty="0">
                 <a:solidFill>
                   <a:schemeClr val="tx1"/>
                 </a:solidFill>
@@ -11869,7 +11869,7 @@
               <a:t> ; puis +Web sur </a:t>
             </a:r>
             <a:r>
-              <a:rPr lang="fr-FR" sz="1600" dirty="0" err="1">
+              <a:rPr lang="fr-FR" sz="1800" dirty="0" err="1">
                 <a:solidFill>
                   <a:schemeClr val="tx1"/>
                 </a:solidFill>
@@ -11878,7 +11878,7 @@
               <a:t>id_web</a:t>
             </a:r>
             <a:r>
-              <a:rPr lang="fr-FR" sz="1600" dirty="0">
+              <a:rPr lang="fr-FR" sz="1800" dirty="0">
                 <a:solidFill>
                   <a:schemeClr val="tx1"/>
                 </a:solidFill>
@@ -11887,7 +11887,7 @@
               <a:t>=</a:t>
             </a:r>
             <a:r>
-              <a:rPr lang="fr-FR" sz="1600" dirty="0" err="1">
+              <a:rPr lang="fr-FR" sz="1800" dirty="0" err="1">
                 <a:solidFill>
                   <a:schemeClr val="tx1"/>
                 </a:solidFill>
@@ -11896,7 +11896,7 @@
               <a:t>sku</a:t>
             </a:r>
             <a:r>
-              <a:rPr lang="fr-FR" sz="1600" dirty="0">
+              <a:rPr lang="fr-FR" sz="1800" dirty="0">
                 <a:solidFill>
                   <a:schemeClr val="tx1"/>
                 </a:solidFill>
@@ -11905,7 +11905,7 @@
               <a:t> avec </a:t>
             </a:r>
             <a:r>
-              <a:rPr lang="fr-FR" sz="1600" dirty="0" err="1">
+              <a:rPr lang="fr-FR" sz="1800" dirty="0" err="1">
                 <a:solidFill>
                   <a:schemeClr val="tx1"/>
                 </a:solidFill>
@@ -11914,7 +11914,7 @@
               <a:t>left</a:t>
             </a:r>
             <a:r>
-              <a:rPr lang="fr-FR" sz="1600" dirty="0">
+              <a:rPr lang="fr-FR" sz="1800" dirty="0">
                 <a:solidFill>
                   <a:schemeClr val="tx1"/>
                 </a:solidFill>
@@ -11926,7 +11926,7 @@
           <a:p>
             <a:pPr lvl="1"/>
             <a:r>
-              <a:rPr lang="fr-FR" sz="1600" b="1" dirty="0" err="1">
+              <a:rPr lang="fr-FR" sz="1800" b="1" dirty="0" err="1">
                 <a:solidFill>
                   <a:schemeClr val="tx1"/>
                 </a:solidFill>
@@ -11935,7 +11935,7 @@
               <a:t>Features</a:t>
             </a:r>
             <a:r>
-              <a:rPr lang="fr-FR" sz="1600" b="1" dirty="0">
+              <a:rPr lang="fr-FR" sz="1800" b="1" dirty="0">
                 <a:solidFill>
                   <a:schemeClr val="tx1"/>
                 </a:solidFill>
@@ -11944,7 +11944,7 @@
               <a:t> engineering</a:t>
             </a:r>
             <a:r>
-              <a:rPr lang="fr-FR" sz="1600" dirty="0">
+              <a:rPr lang="fr-FR" sz="1800" dirty="0">
                 <a:solidFill>
                   <a:schemeClr val="tx1"/>
                 </a:solidFill>
@@ -11953,7 +11953,7 @@
               <a:t>: Ajout de colonnes calculées comme </a:t>
             </a:r>
             <a:r>
-              <a:rPr lang="fr-FR" sz="1600" dirty="0" err="1">
+              <a:rPr lang="fr-FR" sz="1800" dirty="0" err="1">
                 <a:solidFill>
                   <a:schemeClr val="tx1"/>
                 </a:solidFill>
@@ -11962,7 +11962,7 @@
               <a:t>ca_par_article</a:t>
             </a:r>
             <a:r>
-              <a:rPr lang="fr-FR" sz="1600" dirty="0">
+              <a:rPr lang="fr-FR" sz="1800" dirty="0">
                 <a:solidFill>
                   <a:schemeClr val="tx1"/>
                 </a:solidFill>
@@ -11971,7 +11971,7 @@
               <a:t>, </a:t>
             </a:r>
             <a:r>
-              <a:rPr lang="fr-FR" sz="1600" dirty="0" err="1">
+              <a:rPr lang="fr-FR" sz="1800" dirty="0" err="1">
                 <a:solidFill>
                   <a:schemeClr val="tx1"/>
                 </a:solidFill>
@@ -11980,7 +11980,7 @@
               <a:t>rotation_stock</a:t>
             </a:r>
             <a:r>
-              <a:rPr lang="fr-FR" sz="1600" dirty="0">
+              <a:rPr lang="fr-FR" sz="1800" dirty="0">
                 <a:solidFill>
                   <a:schemeClr val="tx1"/>
                 </a:solidFill>
@@ -11991,7 +11991,7 @@
           </a:p>
           <a:p>
             <a:pPr lvl="1"/>
-            <a:endParaRPr lang="fr-FR" sz="1600" dirty="0">
+            <a:endParaRPr lang="fr-FR" sz="1800" dirty="0">
               <a:solidFill>
                 <a:schemeClr val="tx1"/>
               </a:solidFill>
@@ -12000,7 +12000,7 @@
           </a:p>
           <a:p>
             <a:r>
-              <a:rPr lang="fr-FR" sz="1600" b="1" dirty="0">
+              <a:rPr lang="fr-FR" b="1" dirty="0">
                 <a:solidFill>
                   <a:schemeClr val="tx1"/>
                 </a:solidFill>
@@ -12009,7 +12009,7 @@
               <a:t>Remarques</a:t>
             </a:r>
             <a:r>
-              <a:rPr lang="fr-FR" sz="1600" dirty="0">
+              <a:rPr lang="fr-FR" dirty="0">
                 <a:solidFill>
                   <a:schemeClr val="tx1"/>
                 </a:solidFill>
@@ -12018,7 +12018,7 @@
               <a:t>: </a:t>
             </a:r>
             <a:r>
-              <a:rPr lang="en-US" sz="1600" dirty="0" err="1">
+              <a:rPr lang="en-US" dirty="0" err="1">
                 <a:solidFill>
                   <a:schemeClr val="tx1"/>
                 </a:solidFill>
@@ -12027,7 +12027,7 @@
               <a:t>problèmes</a:t>
             </a:r>
             <a:r>
-              <a:rPr lang="en-US" sz="1600" dirty="0">
+              <a:rPr lang="en-US" dirty="0">
                 <a:solidFill>
                   <a:schemeClr val="tx1"/>
                 </a:solidFill>
@@ -12036,7 +12036,7 @@
               <a:t> avec le </a:t>
             </a:r>
             <a:r>
-              <a:rPr lang="en-US" sz="1600" dirty="0" err="1">
+              <a:rPr lang="en-US" dirty="0" err="1">
                 <a:solidFill>
                   <a:schemeClr val="tx1"/>
                 </a:solidFill>
@@ -12044,7 +12044,58 @@
               </a:rPr>
               <a:t>mismatch_status</a:t>
             </a:r>
-            <a:endParaRPr lang="en-US" sz="1600" dirty="0">
+            <a:r>
+              <a:rPr lang="en-US" dirty="0">
+                <a:solidFill>
+                  <a:schemeClr val="tx1"/>
+                </a:solidFill>
+                <a:latin typeface="Montserrat" panose="00000500000000000000" pitchFamily="2" charset="0"/>
+              </a:rPr>
+              <a:t> (</a:t>
+            </a:r>
+            <a:r>
+              <a:rPr lang="fr-FR" dirty="0" err="1">
+                <a:latin typeface="Montserrat" panose="00000500000000000000" pitchFamily="2" charset="0"/>
+              </a:rPr>
+              <a:t>instock</a:t>
+            </a:r>
+            <a:r>
+              <a:rPr lang="fr-FR" dirty="0">
+                <a:latin typeface="Montserrat" panose="00000500000000000000" pitchFamily="2" charset="0"/>
+              </a:rPr>
+              <a:t>/</a:t>
+            </a:r>
+            <a:r>
+              <a:rPr lang="fr-FR" dirty="0" err="1">
+                <a:latin typeface="Montserrat" panose="00000500000000000000" pitchFamily="2" charset="0"/>
+              </a:rPr>
+              <a:t>outofstock</a:t>
+            </a:r>
+            <a:r>
+              <a:rPr lang="fr-FR" dirty="0">
+                <a:latin typeface="Montserrat" panose="00000500000000000000" pitchFamily="2" charset="0"/>
+              </a:rPr>
+              <a:t>), colonnes </a:t>
+            </a:r>
+            <a:r>
+              <a:rPr lang="en-US" dirty="0" err="1">
+                <a:latin typeface="Montserrat" panose="00000500000000000000" pitchFamily="2" charset="0"/>
+              </a:rPr>
+              <a:t>inutiles</a:t>
+            </a:r>
+            <a:r>
+              <a:rPr lang="en-US" dirty="0">
+                <a:latin typeface="Montserrat" panose="00000500000000000000" pitchFamily="2" charset="0"/>
+              </a:rPr>
+              <a:t>(vides),</a:t>
+            </a:r>
+            <a:r>
+              <a:rPr lang="fr-FR" dirty="0">
+                <a:latin typeface="Montserrat" panose="00000500000000000000" pitchFamily="2" charset="0"/>
+              </a:rPr>
+              <a:t> des codes articles ne respectant pas la règle de codification</a:t>
+            </a:r>
+            <a:endParaRPr lang="en-US" dirty="0">
               <a:solidFill>
                 <a:schemeClr val="tx1"/>
               </a:solidFill>
@@ -12052,7 +12103,7 @@
             </a:endParaRPr>
           </a:p>
           <a:p>
-            <a:endParaRPr lang="fr-FR" sz="1600" dirty="0">
+            <a:endParaRPr lang="fr-FR" dirty="0">
               <a:solidFill>
                 <a:schemeClr val="tx1"/>
               </a:solidFill>
@@ -12061,7 +12112,7 @@
           </a:p>
           <a:p>
             <a:r>
-              <a:rPr lang="fr-FR" sz="1600" b="1" dirty="0">
+              <a:rPr lang="fr-FR" b="1" dirty="0">
                 <a:solidFill>
                   <a:schemeClr val="tx1"/>
                 </a:solidFill>
@@ -12070,17 +12121,17 @@
               <a:t>Difficultés</a:t>
             </a:r>
             <a:r>
-              <a:rPr lang="fr-FR" sz="1600" dirty="0">
+              <a:rPr lang="fr-FR" dirty="0">
                 <a:solidFill>
                   <a:schemeClr val="tx1"/>
                 </a:solidFill>
                 <a:latin typeface="Montserrat" panose="00000500000000000000" pitchFamily="2" charset="0"/>
               </a:rPr>
-              <a:t>: prix négatifs impliquant des erreurs avec le CA;</a:t>
-            </a:r>
-          </a:p>
-          <a:p>
-            <a:endParaRPr lang="fr-FR" sz="1600" dirty="0">
+              <a:t>: prix négatifs impliquant des erreurs avec le CA; présence des doublons dans WEB</a:t>
+            </a:r>
+          </a:p>
+          <a:p>
+            <a:endParaRPr lang="fr-FR" dirty="0">
               <a:solidFill>
                 <a:schemeClr val="tx1"/>
               </a:solidFill>
@@ -12089,7 +12140,7 @@
           </a:p>
           <a:p>
             <a:r>
-              <a:rPr lang="fr-FR" sz="1600" b="1" dirty="0">
+              <a:rPr lang="fr-FR" b="1" dirty="0">
                 <a:solidFill>
                   <a:schemeClr val="tx1"/>
                 </a:solidFill>
@@ -12098,7 +12149,7 @@
               <a:t>Piège</a:t>
             </a:r>
             <a:r>
-              <a:rPr lang="fr-FR" sz="1600" dirty="0">
+              <a:rPr lang="fr-FR" dirty="0">
                 <a:solidFill>
                   <a:schemeClr val="tx1"/>
                 </a:solidFill>
@@ -12106,7 +12157,9 @@
               </a:rPr>
               <a:t>: cases vides dans Liaison, car présence de vins sans liens web, pouvant les présenter comme orphelins dans le tableau.</a:t>
             </a:r>
-            <a:endParaRPr lang="fr-FR" sz="1600" dirty="0"/>
+            <a:endParaRPr lang="fr-FR" dirty="0">
+              <a:latin typeface="Montserrat" panose="00000500000000000000" pitchFamily="2" charset="0"/>
+            </a:endParaRPr>
           </a:p>
           <a:p>
             <a:endParaRPr lang="fr-FR" sz="1400" dirty="0"/>
@@ -12567,19 +12620,7 @@
               <a:rPr lang="fr-FR" dirty="0">
                 <a:latin typeface="Montserrat" panose="00000500000000000000" pitchFamily="2" charset="0"/>
               </a:rPr>
-              <a:t>: Pendant merge, des prix négatifs, les  </a:t>
-            </a:r>
-            <a:r>
-              <a:rPr lang="fr-FR" dirty="0" err="1">
-                <a:latin typeface="Montserrat" panose="00000500000000000000" pitchFamily="2" charset="0"/>
-              </a:rPr>
-              <a:t>arrticles</a:t>
-            </a:r>
-            <a:r>
-              <a:rPr lang="fr-FR" dirty="0">
-                <a:latin typeface="Montserrat" panose="00000500000000000000" pitchFamily="2" charset="0"/>
-              </a:rPr>
-              <a:t> sans correspondances sont remplacés par 0.</a:t>
+              <a:t>: Pendant merge, des prix négatifs, les  articles sans correspondances sont remplacés par 0.</a:t>
             </a:r>
           </a:p>
           <a:p>
@@ -12634,7 +12675,7 @@
               <a:rPr lang="fr-FR" dirty="0">
                 <a:latin typeface="Montserrat" panose="00000500000000000000" pitchFamily="2" charset="0"/>
               </a:rPr>
-              <a:t>); présence des Stocks négatifs, solution: remplacer par 0 </a:t>
+              <a:t>; présence des Stocks négatifs, solution: remplacer par 0 </a:t>
             </a:r>
           </a:p>
           <a:p>
@@ -13472,7 +13513,7 @@
               <a:rPr lang="fr-FR" dirty="0">
                 <a:latin typeface="Montserrat" panose="00000500000000000000" pitchFamily="2" charset="0"/>
               </a:rPr>
-              <a:t>: Le Chiffre d'Affaires (CA), La Loi de Pareto (80/20), La Marge, Rotation</a:t>
+              <a:t>: Le Chiffre d'Affaires (CA), La Loi de Pareto (80/20)</a:t>
             </a:r>
           </a:p>
           <a:p>
@@ -15064,7 +15105,19 @@
               <a:rPr lang="fr-FR" dirty="0">
                 <a:latin typeface="Montserrat" panose="00000500000000000000" pitchFamily="2" charset="0"/>
               </a:rPr>
-              <a:t> Globalement, quand il y’a as plus de stock d'un produit, il a tendance à mieux se vendre.</a:t>
+              <a:t> Globalement, quand il y’a </a:t>
+            </a:r>
+            <a:r>
+              <a:rPr lang="fr-FR" dirty="0" err="1">
+                <a:latin typeface="Montserrat" panose="00000500000000000000" pitchFamily="2" charset="0"/>
+              </a:rPr>
+              <a:t>a</a:t>
+            </a:r>
+            <a:r>
+              <a:rPr lang="fr-FR" dirty="0">
+                <a:latin typeface="Montserrat" panose="00000500000000000000" pitchFamily="2" charset="0"/>
+              </a:rPr>
+              <a:t> plus de stock d'un produit, il a tendance à mieux se vendre.</a:t>
             </a:r>
           </a:p>
           <a:p>
@@ -15512,7 +15565,7 @@
                 <a:effectLst/>
                 <a:latin typeface="Montserrat" panose="00000500000000000000" pitchFamily="2" charset="0"/>
               </a:rPr>
-              <a:t> Lier l'ERP et le Web pour éliminer les 91 cases vides et 20 erreurs de fusion.</a:t>
+              <a:t> Lier l'ERP et le Web pour éliminer les 91 cases vides et les erreurs de fusion.</a:t>
             </a:r>
           </a:p>
           <a:p>
